--- a/Capstone 091620.pptx
+++ b/Capstone 091620.pptx
@@ -3971,36 +3971,12 @@
           <a:p>
             <a:pPr algn="r"/>
             <a:r>
-              <a:rPr lang="en-US" sz="2800" dirty="0" err="1">
-                <a:solidFill>
-                  <a:schemeClr val="bg1"/>
-                </a:solidFill>
-              </a:rPr>
-              <a:t>Su</a:t>
-            </a:r>
-            <a:r>
               <a:rPr lang="en-US" sz="2800" dirty="0">
                 <a:solidFill>
                   <a:schemeClr val="bg1"/>
                 </a:solidFill>
               </a:rPr>
-              <a:t> Lei, Seth </a:t>
-            </a:r>
-            <a:r>
-              <a:rPr lang="en-US" sz="2800" dirty="0" err="1">
-                <a:solidFill>
-                  <a:schemeClr val="bg1"/>
-                </a:solidFill>
-              </a:rPr>
-              <a:t>Narine</a:t>
-            </a:r>
-            <a:r>
-              <a:rPr lang="en-US" sz="2800" dirty="0">
-                <a:solidFill>
-                  <a:schemeClr val="bg1"/>
-                </a:solidFill>
-              </a:rPr>
-              <a:t>, Keyla Nin</a:t>
+              <a:t>Su Lei, Seth Narine, Keyla Nin</a:t>
             </a:r>
           </a:p>
           <a:p>
